--- a/UUID_p.pptx
+++ b/UUID_p.pptx
@@ -262,7 +262,7 @@
           <a:p>
             <a:fld id="{4E823A1A-EE43-B74F-AA0E-C2BF219F0BDB}" type="datetimeFigureOut">
               <a:rPr lang="en-US" smtClean="0"/>
-              <a:t>6/30/20</a:t>
+              <a:t>8/19/20</a:t>
             </a:fld>
             <a:endParaRPr lang="en-US"/>
           </a:p>
@@ -460,7 +460,7 @@
           <a:p>
             <a:fld id="{4E823A1A-EE43-B74F-AA0E-C2BF219F0BDB}" type="datetimeFigureOut">
               <a:rPr lang="en-US" smtClean="0"/>
-              <a:t>6/30/20</a:t>
+              <a:t>8/19/20</a:t>
             </a:fld>
             <a:endParaRPr lang="en-US"/>
           </a:p>
@@ -668,7 +668,7 @@
           <a:p>
             <a:fld id="{4E823A1A-EE43-B74F-AA0E-C2BF219F0BDB}" type="datetimeFigureOut">
               <a:rPr lang="en-US" smtClean="0"/>
-              <a:t>6/30/20</a:t>
+              <a:t>8/19/20</a:t>
             </a:fld>
             <a:endParaRPr lang="en-US"/>
           </a:p>
@@ -866,7 +866,7 @@
           <a:p>
             <a:fld id="{4E823A1A-EE43-B74F-AA0E-C2BF219F0BDB}" type="datetimeFigureOut">
               <a:rPr lang="en-US" smtClean="0"/>
-              <a:t>6/30/20</a:t>
+              <a:t>8/19/20</a:t>
             </a:fld>
             <a:endParaRPr lang="en-US"/>
           </a:p>
@@ -1141,7 +1141,7 @@
           <a:p>
             <a:fld id="{4E823A1A-EE43-B74F-AA0E-C2BF219F0BDB}" type="datetimeFigureOut">
               <a:rPr lang="en-US" smtClean="0"/>
-              <a:t>6/30/20</a:t>
+              <a:t>8/19/20</a:t>
             </a:fld>
             <a:endParaRPr lang="en-US"/>
           </a:p>
@@ -1406,7 +1406,7 @@
           <a:p>
             <a:fld id="{4E823A1A-EE43-B74F-AA0E-C2BF219F0BDB}" type="datetimeFigureOut">
               <a:rPr lang="en-US" smtClean="0"/>
-              <a:t>6/30/20</a:t>
+              <a:t>8/19/20</a:t>
             </a:fld>
             <a:endParaRPr lang="en-US"/>
           </a:p>
@@ -1818,7 +1818,7 @@
           <a:p>
             <a:fld id="{4E823A1A-EE43-B74F-AA0E-C2BF219F0BDB}" type="datetimeFigureOut">
               <a:rPr lang="en-US" smtClean="0"/>
-              <a:t>6/30/20</a:t>
+              <a:t>8/19/20</a:t>
             </a:fld>
             <a:endParaRPr lang="en-US"/>
           </a:p>
@@ -1959,7 +1959,7 @@
           <a:p>
             <a:fld id="{4E823A1A-EE43-B74F-AA0E-C2BF219F0BDB}" type="datetimeFigureOut">
               <a:rPr lang="en-US" smtClean="0"/>
-              <a:t>6/30/20</a:t>
+              <a:t>8/19/20</a:t>
             </a:fld>
             <a:endParaRPr lang="en-US"/>
           </a:p>
@@ -2072,7 +2072,7 @@
           <a:p>
             <a:fld id="{4E823A1A-EE43-B74F-AA0E-C2BF219F0BDB}" type="datetimeFigureOut">
               <a:rPr lang="en-US" smtClean="0"/>
-              <a:t>6/30/20</a:t>
+              <a:t>8/19/20</a:t>
             </a:fld>
             <a:endParaRPr lang="en-US"/>
           </a:p>
@@ -2383,7 +2383,7 @@
           <a:p>
             <a:fld id="{4E823A1A-EE43-B74F-AA0E-C2BF219F0BDB}" type="datetimeFigureOut">
               <a:rPr lang="en-US" smtClean="0"/>
-              <a:t>6/30/20</a:t>
+              <a:t>8/19/20</a:t>
             </a:fld>
             <a:endParaRPr lang="en-US"/>
           </a:p>
@@ -2671,7 +2671,7 @@
           <a:p>
             <a:fld id="{4E823A1A-EE43-B74F-AA0E-C2BF219F0BDB}" type="datetimeFigureOut">
               <a:rPr lang="en-US" smtClean="0"/>
-              <a:t>6/30/20</a:t>
+              <a:t>8/19/20</a:t>
             </a:fld>
             <a:endParaRPr lang="en-US"/>
           </a:p>
@@ -2912,7 +2912,7 @@
           <a:p>
             <a:fld id="{4E823A1A-EE43-B74F-AA0E-C2BF219F0BDB}" type="datetimeFigureOut">
               <a:rPr lang="en-US" smtClean="0"/>
-              <a:t>6/30/20</a:t>
+              <a:t>8/19/20</a:t>
             </a:fld>
             <a:endParaRPr lang="en-US"/>
           </a:p>
@@ -3386,14 +3386,14 @@
           <a:lstStyle/>
           <a:p>
             <a:r>
+              <a:rPr lang="en-US"/>
+              <a:t>Uuidfdgdfg</a:t>
+            </a:r>
+            <a:endParaRPr lang="en-US" dirty="0"/>
+          </a:p>
+          <a:p>
+            <a:r>
               <a:rPr lang="en-US" dirty="0" err="1"/>
-              <a:t>Uuid</a:t>
-            </a:r>
-            <a:endParaRPr lang="en-US" dirty="0"/>
-          </a:p>
-          <a:p>
-            <a:r>
-              <a:rPr lang="en-US"/>
               <a:t>xg</a:t>
             </a:r>
             <a:endParaRPr lang="en-US" dirty="0"/>
